--- a/Dokumente/Präsentation/Präsentation.pptx
+++ b/Dokumente/Präsentation/Präsentation.pptx
@@ -107,6 +107,11 @@
       </a:defRPr>
     </a:lvl9pPr>
   </p:defaultTextStyle>
+  <p:extLst>
+    <p:ext uri="{EFAFB233-063F-42B5-8137-9DF3F51BA10A}">
+      <p15:sldGuideLst xmlns:p15="http://schemas.microsoft.com/office/powerpoint/2012/main"/>
+    </p:ext>
+  </p:extLst>
 </p:presentation>
 </file>
 
@@ -282,7 +287,7 @@
             <a:fld id="{92BDA008-AAEF-46C6-BB00-08B543941B33}" type="datetimeFigureOut">
               <a:rPr lang="de-AT" smtClean="0"/>
               <a:pPr/>
-              <a:t>30.06.2018</a:t>
+              <a:t>02.07.2018</a:t>
             </a:fld>
             <a:endParaRPr lang="de-AT"/>
           </a:p>
@@ -552,7 +557,7 @@
             <a:fld id="{92BDA008-AAEF-46C6-BB00-08B543941B33}" type="datetimeFigureOut">
               <a:rPr lang="de-AT" smtClean="0"/>
               <a:pPr/>
-              <a:t>30.06.2018</a:t>
+              <a:t>02.07.2018</a:t>
             </a:fld>
             <a:endParaRPr lang="de-AT"/>
           </a:p>
@@ -784,7 +789,7 @@
             <a:fld id="{92BDA008-AAEF-46C6-BB00-08B543941B33}" type="datetimeFigureOut">
               <a:rPr lang="de-AT" smtClean="0"/>
               <a:pPr/>
-              <a:t>30.06.2018</a:t>
+              <a:t>02.07.2018</a:t>
             </a:fld>
             <a:endParaRPr lang="de-AT"/>
           </a:p>
@@ -1006,7 +1011,7 @@
             <a:fld id="{92BDA008-AAEF-46C6-BB00-08B543941B33}" type="datetimeFigureOut">
               <a:rPr lang="de-AT" smtClean="0"/>
               <a:pPr/>
-              <a:t>30.06.2018</a:t>
+              <a:t>02.07.2018</a:t>
             </a:fld>
             <a:endParaRPr lang="de-AT" dirty="0"/>
           </a:p>
@@ -1283,7 +1288,7 @@
             <a:fld id="{92BDA008-AAEF-46C6-BB00-08B543941B33}" type="datetimeFigureOut">
               <a:rPr lang="de-AT" smtClean="0"/>
               <a:pPr/>
-              <a:t>30.06.2018</a:t>
+              <a:t>02.07.2018</a:t>
             </a:fld>
             <a:endParaRPr lang="de-AT"/>
           </a:p>
@@ -1655,7 +1660,7 @@
             <a:fld id="{92BDA008-AAEF-46C6-BB00-08B543941B33}" type="datetimeFigureOut">
               <a:rPr lang="de-AT" smtClean="0"/>
               <a:pPr/>
-              <a:t>30.06.2018</a:t>
+              <a:t>02.07.2018</a:t>
             </a:fld>
             <a:endParaRPr lang="de-AT"/>
           </a:p>
@@ -2153,7 +2158,7 @@
             <a:fld id="{92BDA008-AAEF-46C6-BB00-08B543941B33}" type="datetimeFigureOut">
               <a:rPr lang="de-AT" smtClean="0"/>
               <a:pPr/>
-              <a:t>30.06.2018</a:t>
+              <a:t>02.07.2018</a:t>
             </a:fld>
             <a:endParaRPr lang="de-AT"/>
           </a:p>
@@ -2297,7 +2302,7 @@
             <a:fld id="{92BDA008-AAEF-46C6-BB00-08B543941B33}" type="datetimeFigureOut">
               <a:rPr lang="de-AT" smtClean="0"/>
               <a:pPr/>
-              <a:t>30.06.2018</a:t>
+              <a:t>02.07.2018</a:t>
             </a:fld>
             <a:endParaRPr lang="de-AT"/>
           </a:p>
@@ -2412,7 +2417,7 @@
             <a:fld id="{92BDA008-AAEF-46C6-BB00-08B543941B33}" type="datetimeFigureOut">
               <a:rPr lang="de-AT" smtClean="0"/>
               <a:pPr/>
-              <a:t>30.06.2018</a:t>
+              <a:t>02.07.2018</a:t>
             </a:fld>
             <a:endParaRPr lang="de-AT"/>
           </a:p>
@@ -2733,7 +2738,7 @@
             <a:fld id="{92BDA008-AAEF-46C6-BB00-08B543941B33}" type="datetimeFigureOut">
               <a:rPr lang="de-AT" smtClean="0"/>
               <a:pPr/>
-              <a:t>30.06.2018</a:t>
+              <a:t>02.07.2018</a:t>
             </a:fld>
             <a:endParaRPr lang="de-AT"/>
           </a:p>
@@ -3081,7 +3086,7 @@
             <a:fld id="{92BDA008-AAEF-46C6-BB00-08B543941B33}" type="datetimeFigureOut">
               <a:rPr lang="de-AT" smtClean="0"/>
               <a:pPr/>
-              <a:t>30.06.2018</a:t>
+              <a:t>02.07.2018</a:t>
             </a:fld>
             <a:endParaRPr lang="de-AT"/>
           </a:p>
@@ -3348,7 +3353,7 @@
           <a:p>
             <a:fld id="{92BDA008-AAEF-46C6-BB00-08B543941B33}" type="datetimeFigureOut">
               <a:rPr lang="de-AT" smtClean="0"/>
-              <a:t>30.06.2018</a:t>
+              <a:t>02.07.2018</a:t>
             </a:fld>
             <a:endParaRPr lang="de-AT"/>
           </a:p>
@@ -3921,13 +3926,13 @@
   <p:clrMapOvr>
     <a:masterClrMapping/>
   </p:clrMapOvr>
-  <mc:AlternateContent xmlns:mc="http://schemas.openxmlformats.org/markup-compatibility/2006">
-    <mc:Choice xmlns:p159="http://schemas.microsoft.com/office/powerpoint/2015/09/main" Requires="p159">
+  <mc:AlternateContent xmlns:mc="http://schemas.openxmlformats.org/markup-compatibility/2006" xmlns:p159="http://schemas.microsoft.com/office/powerpoint/2015/09/main">
+    <mc:Choice Requires="p159">
       <p:transition xmlns:p14="http://schemas.microsoft.com/office/powerpoint/2010/main" spd="slow" p14:dur="2000">
         <p159:morph option="byObject"/>
       </p:transition>
     </mc:Choice>
-    <mc:Fallback>
+    <mc:Fallback xmlns="">
       <p:transition spd="slow">
         <p:fade/>
       </p:transition>
@@ -4445,13 +4450,13 @@
   <p:clrMapOvr>
     <a:masterClrMapping/>
   </p:clrMapOvr>
-  <mc:AlternateContent xmlns:mc="http://schemas.openxmlformats.org/markup-compatibility/2006">
-    <mc:Choice xmlns:p159="http://schemas.microsoft.com/office/powerpoint/2015/09/main" Requires="p159">
+  <mc:AlternateContent xmlns:mc="http://schemas.openxmlformats.org/markup-compatibility/2006" xmlns:p159="http://schemas.microsoft.com/office/powerpoint/2015/09/main">
+    <mc:Choice Requires="p159">
       <p:transition xmlns:p14="http://schemas.microsoft.com/office/powerpoint/2010/main" spd="slow" p14:dur="2000">
         <p159:morph option="byObject"/>
       </p:transition>
     </mc:Choice>
-    <mc:Fallback>
+    <mc:Fallback xmlns="">
       <p:transition spd="slow">
         <p:fade/>
       </p:transition>
@@ -4886,13 +4891,13 @@
   <p:clrMapOvr>
     <a:masterClrMapping/>
   </p:clrMapOvr>
-  <mc:AlternateContent xmlns:mc="http://schemas.openxmlformats.org/markup-compatibility/2006">
-    <mc:Choice xmlns:p159="http://schemas.microsoft.com/office/powerpoint/2015/09/main" Requires="p159">
+  <mc:AlternateContent xmlns:mc="http://schemas.openxmlformats.org/markup-compatibility/2006" xmlns:p159="http://schemas.microsoft.com/office/powerpoint/2015/09/main">
+    <mc:Choice Requires="p159">
       <p:transition xmlns:p14="http://schemas.microsoft.com/office/powerpoint/2010/main" spd="slow" p14:dur="2000">
         <p159:morph option="byObject"/>
       </p:transition>
     </mc:Choice>
-    <mc:Fallback>
+    <mc:Fallback xmlns="">
       <p:transition spd="slow">
         <p:fade/>
       </p:transition>
@@ -5338,13 +5343,18 @@
           <a:lstStyle/>
           <a:p>
             <a:r>
-              <a:rPr lang="de-AT" sz="4000" dirty="0">
+              <a:rPr lang="de-AT" sz="4000">
                 <a:solidFill>
                   <a:srgbClr val="FFFFFF"/>
                 </a:solidFill>
               </a:rPr>
-              <a:t>Ablauf des Tutorials</a:t>
-            </a:r>
+              <a:t>Ablauf</a:t>
+            </a:r>
+            <a:endParaRPr lang="de-AT" sz="4000" dirty="0">
+              <a:solidFill>
+                <a:srgbClr val="FFFFFF"/>
+              </a:solidFill>
+            </a:endParaRPr>
           </a:p>
         </p:txBody>
       </p:sp>
@@ -5568,13 +5578,13 @@
   <p:clrMapOvr>
     <a:masterClrMapping/>
   </p:clrMapOvr>
-  <mc:AlternateContent xmlns:mc="http://schemas.openxmlformats.org/markup-compatibility/2006">
-    <mc:Choice xmlns:p159="http://schemas.microsoft.com/office/powerpoint/2015/09/main" Requires="p159">
+  <mc:AlternateContent xmlns:mc="http://schemas.openxmlformats.org/markup-compatibility/2006" xmlns:p159="http://schemas.microsoft.com/office/powerpoint/2015/09/main">
+    <mc:Choice Requires="p159">
       <p:transition xmlns:p14="http://schemas.microsoft.com/office/powerpoint/2010/main" spd="slow" p14:dur="2000">
         <p159:morph option="byObject"/>
       </p:transition>
     </mc:Choice>
-    <mc:Fallback>
+    <mc:Fallback xmlns="">
       <p:transition spd="slow">
         <p:fade/>
       </p:transition>
